--- a/03c Aggregation group.pptx
+++ b/03c Aggregation group.pptx
@@ -5,7 +5,7 @@
     <p:sldMasterId id="2147483659" r:id="rId1"/>
   </p:sldMasterIdLst>
   <p:notesMasterIdLst>
-    <p:notesMasterId r:id="rId14"/>
+    <p:notesMasterId r:id="rId16"/>
   </p:notesMasterIdLst>
   <p:sldIdLst>
     <p:sldId id="263" r:id="rId2"/>
@@ -15,21 +15,23 @@
     <p:sldId id="335" r:id="rId6"/>
     <p:sldId id="336" r:id="rId7"/>
     <p:sldId id="337" r:id="rId8"/>
-    <p:sldId id="338" r:id="rId9"/>
-    <p:sldId id="342" r:id="rId10"/>
-    <p:sldId id="339" r:id="rId11"/>
+    <p:sldId id="342" r:id="rId9"/>
+    <p:sldId id="339" r:id="rId10"/>
+    <p:sldId id="343" r:id="rId11"/>
     <p:sldId id="340" r:id="rId12"/>
-    <p:sldId id="341" r:id="rId13"/>
+    <p:sldId id="344" r:id="rId13"/>
+    <p:sldId id="345" r:id="rId14"/>
+    <p:sldId id="346" r:id="rId15"/>
   </p:sldIdLst>
   <p:sldSz cx="9144000" cy="5143500" type="screen16x9"/>
   <p:notesSz cx="6858000" cy="9144000"/>
   <p:embeddedFontLst>
     <p:embeddedFont>
       <p:font typeface="Roboto" panose="02000000000000000000" pitchFamily="2" charset="0"/>
-      <p:regular r:id="rId15"/>
-      <p:bold r:id="rId16"/>
-      <p:italic r:id="rId17"/>
-      <p:boldItalic r:id="rId18"/>
+      <p:regular r:id="rId17"/>
+      <p:bold r:id="rId18"/>
+      <p:italic r:id="rId19"/>
+      <p:boldItalic r:id="rId20"/>
     </p:embeddedFont>
   </p:embeddedFontLst>
   <p:defaultTextStyle>
@@ -3420,7 +3422,7 @@
           <p:cNvPr id="2" name="Title 1">
             <a:extLst>
               <a:ext uri="{FF2B5EF4-FFF2-40B4-BE49-F238E27FC236}">
-                <a16:creationId xmlns:a16="http://schemas.microsoft.com/office/drawing/2014/main" id="{F35DD031-17A4-8D4B-8775-37F878F22D5F}"/>
+                <a16:creationId xmlns:a16="http://schemas.microsoft.com/office/drawing/2014/main" id="{1114D575-8BA3-024B-992B-44D0E492AFB8}"/>
               </a:ext>
             </a:extLst>
           </p:cNvPr>
@@ -3436,19 +3438,16 @@
           <a:bodyPr/>
           <a:lstStyle/>
           <a:p>
-            <a:r>
-              <a:rPr lang="en-US" dirty="0"/>
-              <a:t> </a:t>
-            </a:r>
+            <a:endParaRPr lang="en-US"/>
           </a:p>
         </p:txBody>
       </p:sp>
       <p:pic>
         <p:nvPicPr>
-          <p:cNvPr id="4" name="Picture 3">
+          <p:cNvPr id="3" name="Picture 2">
             <a:extLst>
               <a:ext uri="{FF2B5EF4-FFF2-40B4-BE49-F238E27FC236}">
-                <a16:creationId xmlns:a16="http://schemas.microsoft.com/office/drawing/2014/main" id="{2BD53D83-84EA-9548-A595-6F41D4730FF8}"/>
+                <a16:creationId xmlns:a16="http://schemas.microsoft.com/office/drawing/2014/main" id="{F4F835C0-ABD6-8C44-8761-EFFFC3A30A6B}"/>
               </a:ext>
             </a:extLst>
           </p:cNvPr>
@@ -3465,8 +3464,38 @@
         </p:blipFill>
         <p:spPr>
           <a:xfrm>
-            <a:off x="0" y="288043"/>
+            <a:off x="0" y="576086"/>
             <a:ext cx="9144000" cy="4567414"/>
+          </a:xfrm>
+          <a:prstGeom prst="rect">
+            <a:avLst/>
+          </a:prstGeom>
+        </p:spPr>
+      </p:pic>
+      <p:pic>
+        <p:nvPicPr>
+          <p:cNvPr id="4" name="Picture 3">
+            <a:extLst>
+              <a:ext uri="{FF2B5EF4-FFF2-40B4-BE49-F238E27FC236}">
+                <a16:creationId xmlns:a16="http://schemas.microsoft.com/office/drawing/2014/main" id="{3457C39A-8FB3-F246-A54A-B3A8F8880651}"/>
+              </a:ext>
+            </a:extLst>
+          </p:cNvPr>
+          <p:cNvPicPr>
+            <a:picLocks noChangeAspect="1"/>
+          </p:cNvPicPr>
+          <p:nvPr/>
+        </p:nvPicPr>
+        <p:blipFill>
+          <a:blip r:embed="rId3"/>
+          <a:stretch>
+            <a:fillRect/>
+          </a:stretch>
+        </p:blipFill>
+        <p:spPr>
+          <a:xfrm>
+            <a:off x="2396078" y="1493198"/>
+            <a:ext cx="2175922" cy="165587"/>
           </a:xfrm>
           <a:prstGeom prst="rect">
             <a:avLst/>
@@ -3476,13 +3505,88 @@
     </p:spTree>
     <p:extLst>
       <p:ext uri="{BB962C8B-B14F-4D97-AF65-F5344CB8AC3E}">
-        <p14:creationId xmlns:p14="http://schemas.microsoft.com/office/powerpoint/2010/main" val="2379555283"/>
+        <p14:creationId xmlns:p14="http://schemas.microsoft.com/office/powerpoint/2010/main" val="3500749475"/>
       </p:ext>
     </p:extLst>
   </p:cSld>
   <p:clrMapOvr>
     <a:masterClrMapping/>
   </p:clrMapOvr>
+  <p:timing>
+    <p:tnLst>
+      <p:par>
+        <p:cTn id="1" dur="indefinite" restart="never" nodeType="tmRoot">
+          <p:childTnLst>
+            <p:seq concurrent="1" nextAc="seek">
+              <p:cTn id="2" dur="indefinite" nodeType="mainSeq">
+                <p:childTnLst>
+                  <p:par>
+                    <p:cTn id="3" fill="hold">
+                      <p:stCondLst>
+                        <p:cond delay="indefinite"/>
+                      </p:stCondLst>
+                      <p:childTnLst>
+                        <p:par>
+                          <p:cTn id="4" fill="hold">
+                            <p:stCondLst>
+                              <p:cond delay="0"/>
+                            </p:stCondLst>
+                            <p:childTnLst>
+                              <p:par>
+                                <p:cTn id="5" presetID="1" presetClass="entr" presetSubtype="0" fill="hold" nodeType="clickEffect">
+                                  <p:stCondLst>
+                                    <p:cond delay="0"/>
+                                  </p:stCondLst>
+                                  <p:childTnLst>
+                                    <p:set>
+                                      <p:cBhvr>
+                                        <p:cTn id="6" dur="1" fill="hold">
+                                          <p:stCondLst>
+                                            <p:cond delay="0"/>
+                                          </p:stCondLst>
+                                        </p:cTn>
+                                        <p:tgtEl>
+                                          <p:spTgt spid="4"/>
+                                        </p:tgtEl>
+                                        <p:attrNameLst>
+                                          <p:attrName>style.visibility</p:attrName>
+                                        </p:attrNameLst>
+                                      </p:cBhvr>
+                                      <p:to>
+                                        <p:strVal val="visible"/>
+                                      </p:to>
+                                    </p:set>
+                                  </p:childTnLst>
+                                </p:cTn>
+                              </p:par>
+                            </p:childTnLst>
+                          </p:cTn>
+                        </p:par>
+                      </p:childTnLst>
+                    </p:cTn>
+                  </p:par>
+                </p:childTnLst>
+              </p:cTn>
+              <p:prevCondLst>
+                <p:cond evt="onPrev" delay="0">
+                  <p:tgtEl>
+                    <p:sldTgt/>
+                  </p:tgtEl>
+                </p:cond>
+              </p:prevCondLst>
+              <p:nextCondLst>
+                <p:cond evt="onNext" delay="0">
+                  <p:tgtEl>
+                    <p:sldTgt/>
+                  </p:tgtEl>
+                </p:cond>
+              </p:nextCondLst>
+            </p:seq>
+          </p:childTnLst>
+        </p:cTn>
+      </p:par>
+    </p:tnLst>
+  </p:timing>
 </p:sld>
 </file>
 
@@ -3550,8 +3654,38 @@
         </p:blipFill>
         <p:spPr>
           <a:xfrm>
-            <a:off x="0" y="288043"/>
+            <a:off x="0" y="576086"/>
             <a:ext cx="9144000" cy="4567414"/>
+          </a:xfrm>
+          <a:prstGeom prst="rect">
+            <a:avLst/>
+          </a:prstGeom>
+        </p:spPr>
+      </p:pic>
+      <p:pic>
+        <p:nvPicPr>
+          <p:cNvPr id="5" name="Picture 4">
+            <a:extLst>
+              <a:ext uri="{FF2B5EF4-FFF2-40B4-BE49-F238E27FC236}">
+                <a16:creationId xmlns:a16="http://schemas.microsoft.com/office/drawing/2014/main" id="{337FFC9B-5667-5348-A17F-413E3F437653}"/>
+              </a:ext>
+            </a:extLst>
+          </p:cNvPr>
+          <p:cNvPicPr>
+            <a:picLocks noChangeAspect="1"/>
+          </p:cNvPicPr>
+          <p:nvPr/>
+        </p:nvPicPr>
+        <p:blipFill>
+          <a:blip r:embed="rId3"/>
+          <a:stretch>
+            <a:fillRect/>
+          </a:stretch>
+        </p:blipFill>
+        <p:spPr>
+          <a:xfrm>
+            <a:off x="2791246" y="1741327"/>
+            <a:ext cx="2093212" cy="165587"/>
           </a:xfrm>
           <a:prstGeom prst="rect">
             <a:avLst/>
@@ -3568,6 +3702,81 @@
   <p:clrMapOvr>
     <a:masterClrMapping/>
   </p:clrMapOvr>
+  <p:timing>
+    <p:tnLst>
+      <p:par>
+        <p:cTn id="1" dur="indefinite" restart="never" nodeType="tmRoot">
+          <p:childTnLst>
+            <p:seq concurrent="1" nextAc="seek">
+              <p:cTn id="2" dur="indefinite" nodeType="mainSeq">
+                <p:childTnLst>
+                  <p:par>
+                    <p:cTn id="3" fill="hold">
+                      <p:stCondLst>
+                        <p:cond delay="indefinite"/>
+                      </p:stCondLst>
+                      <p:childTnLst>
+                        <p:par>
+                          <p:cTn id="4" fill="hold">
+                            <p:stCondLst>
+                              <p:cond delay="0"/>
+                            </p:stCondLst>
+                            <p:childTnLst>
+                              <p:par>
+                                <p:cTn id="5" presetID="1" presetClass="entr" presetSubtype="0" fill="hold" nodeType="clickEffect">
+                                  <p:stCondLst>
+                                    <p:cond delay="0"/>
+                                  </p:stCondLst>
+                                  <p:childTnLst>
+                                    <p:set>
+                                      <p:cBhvr>
+                                        <p:cTn id="6" dur="1" fill="hold">
+                                          <p:stCondLst>
+                                            <p:cond delay="0"/>
+                                          </p:stCondLst>
+                                        </p:cTn>
+                                        <p:tgtEl>
+                                          <p:spTgt spid="5"/>
+                                        </p:tgtEl>
+                                        <p:attrNameLst>
+                                          <p:attrName>style.visibility</p:attrName>
+                                        </p:attrNameLst>
+                                      </p:cBhvr>
+                                      <p:to>
+                                        <p:strVal val="visible"/>
+                                      </p:to>
+                                    </p:set>
+                                  </p:childTnLst>
+                                </p:cTn>
+                              </p:par>
+                            </p:childTnLst>
+                          </p:cTn>
+                        </p:par>
+                      </p:childTnLst>
+                    </p:cTn>
+                  </p:par>
+                </p:childTnLst>
+              </p:cTn>
+              <p:prevCondLst>
+                <p:cond evt="onPrev" delay="0">
+                  <p:tgtEl>
+                    <p:sldTgt/>
+                  </p:tgtEl>
+                </p:cond>
+              </p:prevCondLst>
+              <p:nextCondLst>
+                <p:cond evt="onNext" delay="0">
+                  <p:tgtEl>
+                    <p:sldTgt/>
+                  </p:tgtEl>
+                </p:cond>
+              </p:nextCondLst>
+            </p:seq>
+          </p:childTnLst>
+        </p:cTn>
+      </p:par>
+    </p:tnLst>
+  </p:timing>
 </p:sld>
 </file>
 
@@ -3590,10 +3799,68 @@
       </p:grpSpPr>
       <p:sp>
         <p:nvSpPr>
+          <p:cNvPr id="3" name="Title 2">
+            <a:extLst>
+              <a:ext uri="{FF2B5EF4-FFF2-40B4-BE49-F238E27FC236}">
+                <a16:creationId xmlns:a16="http://schemas.microsoft.com/office/drawing/2014/main" id="{C73624A3-2E5C-E747-A27A-061E0F7C2ED0}"/>
+              </a:ext>
+            </a:extLst>
+          </p:cNvPr>
+          <p:cNvSpPr>
+            <a:spLocks noGrp="1"/>
+          </p:cNvSpPr>
+          <p:nvPr>
+            <p:ph type="title"/>
+          </p:nvPr>
+        </p:nvSpPr>
+        <p:spPr/>
+        <p:txBody>
+          <a:bodyPr/>
+          <a:lstStyle/>
+          <a:p>
+            <a:r>
+              <a:rPr lang="en-US" dirty="0"/>
+              <a:t>Grouping by multiple attributes</a:t>
+            </a:r>
+          </a:p>
+        </p:txBody>
+      </p:sp>
+    </p:spTree>
+    <p:extLst>
+      <p:ext uri="{BB962C8B-B14F-4D97-AF65-F5344CB8AC3E}">
+        <p14:creationId xmlns:p14="http://schemas.microsoft.com/office/powerpoint/2010/main" val="3372430521"/>
+      </p:ext>
+    </p:extLst>
+  </p:cSld>
+  <p:clrMapOvr>
+    <a:masterClrMapping/>
+  </p:clrMapOvr>
+</p:sld>
+</file>
+
+<file path=ppt/slides/slide13.xml><?xml version="1.0" encoding="utf-8"?>
+<p:sld xmlns:a="http://schemas.openxmlformats.org/drawingml/2006/main" xmlns:r="http://schemas.openxmlformats.org/officeDocument/2006/relationships" xmlns:p="http://schemas.openxmlformats.org/presentationml/2006/main">
+  <p:cSld>
+    <p:spTree>
+      <p:nvGrpSpPr>
+        <p:cNvPr id="1" name=""/>
+        <p:cNvGrpSpPr/>
+        <p:nvPr/>
+      </p:nvGrpSpPr>
+      <p:grpSpPr>
+        <a:xfrm>
+          <a:off x="0" y="0"/>
+          <a:ext cx="0" cy="0"/>
+          <a:chOff x="0" y="0"/>
+          <a:chExt cx="0" cy="0"/>
+        </a:xfrm>
+      </p:grpSpPr>
+      <p:sp>
+        <p:nvSpPr>
           <p:cNvPr id="2" name="Title 1">
             <a:extLst>
               <a:ext uri="{FF2B5EF4-FFF2-40B4-BE49-F238E27FC236}">
-                <a16:creationId xmlns:a16="http://schemas.microsoft.com/office/drawing/2014/main" id="{1519E8FD-72D2-2343-AA87-60B13EFE388B}"/>
+                <a16:creationId xmlns:a16="http://schemas.microsoft.com/office/drawing/2014/main" id="{F802500F-0F8B-C348-970D-362BAB2660B4}"/>
               </a:ext>
             </a:extLst>
           </p:cNvPr>
@@ -3613,16 +3880,236 @@
           </a:p>
         </p:txBody>
       </p:sp>
+      <p:pic>
+        <p:nvPicPr>
+          <p:cNvPr id="3" name="Picture 2">
+            <a:extLst>
+              <a:ext uri="{FF2B5EF4-FFF2-40B4-BE49-F238E27FC236}">
+                <a16:creationId xmlns:a16="http://schemas.microsoft.com/office/drawing/2014/main" id="{6687072A-5FA8-C244-B871-4A38F40129B4}"/>
+              </a:ext>
+            </a:extLst>
+          </p:cNvPr>
+          <p:cNvPicPr>
+            <a:picLocks noChangeAspect="1"/>
+          </p:cNvPicPr>
+          <p:nvPr/>
+        </p:nvPicPr>
+        <p:blipFill>
+          <a:blip r:embed="rId2"/>
+          <a:stretch>
+            <a:fillRect/>
+          </a:stretch>
+        </p:blipFill>
+        <p:spPr>
+          <a:xfrm>
+            <a:off x="0" y="288043"/>
+            <a:ext cx="9144000" cy="4567414"/>
+          </a:xfrm>
+          <a:prstGeom prst="rect">
+            <a:avLst/>
+          </a:prstGeom>
+        </p:spPr>
+      </p:pic>
     </p:spTree>
     <p:extLst>
       <p:ext uri="{BB962C8B-B14F-4D97-AF65-F5344CB8AC3E}">
-        <p14:creationId xmlns:p14="http://schemas.microsoft.com/office/powerpoint/2010/main" val="955356379"/>
+        <p14:creationId xmlns:p14="http://schemas.microsoft.com/office/powerpoint/2010/main" val="3390233266"/>
       </p:ext>
     </p:extLst>
   </p:cSld>
   <p:clrMapOvr>
     <a:masterClrMapping/>
   </p:clrMapOvr>
+</p:sld>
+</file>
+
+<file path=ppt/slides/slide14.xml><?xml version="1.0" encoding="utf-8"?>
+<p:sld xmlns:a="http://schemas.openxmlformats.org/drawingml/2006/main" xmlns:r="http://schemas.openxmlformats.org/officeDocument/2006/relationships" xmlns:p="http://schemas.openxmlformats.org/presentationml/2006/main">
+  <p:cSld>
+    <p:spTree>
+      <p:nvGrpSpPr>
+        <p:cNvPr id="1" name=""/>
+        <p:cNvGrpSpPr/>
+        <p:nvPr/>
+      </p:nvGrpSpPr>
+      <p:grpSpPr>
+        <a:xfrm>
+          <a:off x="0" y="0"/>
+          <a:ext cx="0" cy="0"/>
+          <a:chOff x="0" y="0"/>
+          <a:chExt cx="0" cy="0"/>
+        </a:xfrm>
+      </p:grpSpPr>
+      <p:sp>
+        <p:nvSpPr>
+          <p:cNvPr id="2" name="Title 1">
+            <a:extLst>
+              <a:ext uri="{FF2B5EF4-FFF2-40B4-BE49-F238E27FC236}">
+                <a16:creationId xmlns:a16="http://schemas.microsoft.com/office/drawing/2014/main" id="{757A276E-DBFF-6E40-9195-AD417F9ED5DA}"/>
+              </a:ext>
+            </a:extLst>
+          </p:cNvPr>
+          <p:cNvSpPr>
+            <a:spLocks noGrp="1"/>
+          </p:cNvSpPr>
+          <p:nvPr>
+            <p:ph type="title"/>
+          </p:nvPr>
+        </p:nvSpPr>
+        <p:spPr/>
+        <p:txBody>
+          <a:bodyPr/>
+          <a:lstStyle/>
+          <a:p>
+            <a:endParaRPr lang="en-US"/>
+          </a:p>
+        </p:txBody>
+      </p:sp>
+      <p:pic>
+        <p:nvPicPr>
+          <p:cNvPr id="3" name="Picture 2">
+            <a:extLst>
+              <a:ext uri="{FF2B5EF4-FFF2-40B4-BE49-F238E27FC236}">
+                <a16:creationId xmlns:a16="http://schemas.microsoft.com/office/drawing/2014/main" id="{F74784A7-6A10-1349-8E9D-7D181241208F}"/>
+              </a:ext>
+            </a:extLst>
+          </p:cNvPr>
+          <p:cNvPicPr>
+            <a:picLocks noChangeAspect="1"/>
+          </p:cNvPicPr>
+          <p:nvPr/>
+        </p:nvPicPr>
+        <p:blipFill>
+          <a:blip r:embed="rId2"/>
+          <a:stretch>
+            <a:fillRect/>
+          </a:stretch>
+        </p:blipFill>
+        <p:spPr>
+          <a:xfrm>
+            <a:off x="0" y="576086"/>
+            <a:ext cx="9144000" cy="4567414"/>
+          </a:xfrm>
+          <a:prstGeom prst="rect">
+            <a:avLst/>
+          </a:prstGeom>
+        </p:spPr>
+      </p:pic>
+      <p:pic>
+        <p:nvPicPr>
+          <p:cNvPr id="4" name="Picture 3">
+            <a:extLst>
+              <a:ext uri="{FF2B5EF4-FFF2-40B4-BE49-F238E27FC236}">
+                <a16:creationId xmlns:a16="http://schemas.microsoft.com/office/drawing/2014/main" id="{C21AE4EF-D092-C241-8D47-04616E5AB847}"/>
+              </a:ext>
+            </a:extLst>
+          </p:cNvPr>
+          <p:cNvPicPr>
+            <a:picLocks noChangeAspect="1"/>
+          </p:cNvPicPr>
+          <p:nvPr/>
+        </p:nvPicPr>
+        <p:blipFill>
+          <a:blip r:embed="rId3"/>
+          <a:stretch>
+            <a:fillRect/>
+          </a:stretch>
+        </p:blipFill>
+        <p:spPr>
+          <a:xfrm>
+            <a:off x="3154248" y="1015321"/>
+            <a:ext cx="1766970" cy="165587"/>
+          </a:xfrm>
+          <a:prstGeom prst="rect">
+            <a:avLst/>
+          </a:prstGeom>
+        </p:spPr>
+      </p:pic>
+    </p:spTree>
+    <p:extLst>
+      <p:ext uri="{BB962C8B-B14F-4D97-AF65-F5344CB8AC3E}">
+        <p14:creationId xmlns:p14="http://schemas.microsoft.com/office/powerpoint/2010/main" val="154810858"/>
+      </p:ext>
+    </p:extLst>
+  </p:cSld>
+  <p:clrMapOvr>
+    <a:masterClrMapping/>
+  </p:clrMapOvr>
+  <p:timing>
+    <p:tnLst>
+      <p:par>
+        <p:cTn id="1" dur="indefinite" restart="never" nodeType="tmRoot">
+          <p:childTnLst>
+            <p:seq concurrent="1" nextAc="seek">
+              <p:cTn id="2" dur="indefinite" nodeType="mainSeq">
+                <p:childTnLst>
+                  <p:par>
+                    <p:cTn id="3" fill="hold">
+                      <p:stCondLst>
+                        <p:cond delay="indefinite"/>
+                      </p:stCondLst>
+                      <p:childTnLst>
+                        <p:par>
+                          <p:cTn id="4" fill="hold">
+                            <p:stCondLst>
+                              <p:cond delay="0"/>
+                            </p:stCondLst>
+                            <p:childTnLst>
+                              <p:par>
+                                <p:cTn id="5" presetID="1" presetClass="entr" presetSubtype="0" fill="hold" nodeType="clickEffect">
+                                  <p:stCondLst>
+                                    <p:cond delay="0"/>
+                                  </p:stCondLst>
+                                  <p:childTnLst>
+                                    <p:set>
+                                      <p:cBhvr>
+                                        <p:cTn id="6" dur="1" fill="hold">
+                                          <p:stCondLst>
+                                            <p:cond delay="0"/>
+                                          </p:stCondLst>
+                                        </p:cTn>
+                                        <p:tgtEl>
+                                          <p:spTgt spid="4"/>
+                                        </p:tgtEl>
+                                        <p:attrNameLst>
+                                          <p:attrName>style.visibility</p:attrName>
+                                        </p:attrNameLst>
+                                      </p:cBhvr>
+                                      <p:to>
+                                        <p:strVal val="visible"/>
+                                      </p:to>
+                                    </p:set>
+                                  </p:childTnLst>
+                                </p:cTn>
+                              </p:par>
+                            </p:childTnLst>
+                          </p:cTn>
+                        </p:par>
+                      </p:childTnLst>
+                    </p:cTn>
+                  </p:par>
+                </p:childTnLst>
+              </p:cTn>
+              <p:prevCondLst>
+                <p:cond evt="onPrev" delay="0">
+                  <p:tgtEl>
+                    <p:sldTgt/>
+                  </p:tgtEl>
+                </p:cond>
+              </p:prevCondLst>
+              <p:nextCondLst>
+                <p:cond evt="onNext" delay="0">
+                  <p:tgtEl>
+                    <p:sldTgt/>
+                  </p:tgtEl>
+                </p:cond>
+              </p:nextCondLst>
+            </p:seq>
+          </p:childTnLst>
+        </p:cTn>
+      </p:par>
+    </p:tnLst>
+  </p:timing>
 </p:sld>
 </file>
 
@@ -4157,7 +4644,7 @@
           <a:p>
             <a:r>
               <a:rPr lang="en-US" dirty="0"/>
-              <a:t>Operators</a:t>
+              <a:t>Accumulators</a:t>
             </a:r>
           </a:p>
         </p:txBody>
@@ -4816,6 +5303,78 @@
                       </p:childTnLst>
                     </p:cTn>
                   </p:par>
+                  <p:par>
+                    <p:cTn id="7" fill="hold">
+                      <p:stCondLst>
+                        <p:cond delay="indefinite"/>
+                      </p:stCondLst>
+                      <p:childTnLst>
+                        <p:par>
+                          <p:cTn id="8" fill="hold">
+                            <p:stCondLst>
+                              <p:cond delay="0"/>
+                            </p:stCondLst>
+                            <p:childTnLst>
+                              <p:par>
+                                <p:cTn id="9" presetID="1" presetClass="entr" presetSubtype="0" fill="hold" grpId="0" nodeType="clickEffect">
+                                  <p:stCondLst>
+                                    <p:cond delay="0"/>
+                                  </p:stCondLst>
+                                  <p:childTnLst>
+                                    <p:set>
+                                      <p:cBhvr>
+                                        <p:cTn id="10" dur="1" fill="hold">
+                                          <p:stCondLst>
+                                            <p:cond delay="0"/>
+                                          </p:stCondLst>
+                                        </p:cTn>
+                                        <p:tgtEl>
+                                          <p:spTgt spid="12"/>
+                                        </p:tgtEl>
+                                        <p:attrNameLst>
+                                          <p:attrName>style.visibility</p:attrName>
+                                        </p:attrNameLst>
+                                      </p:cBhvr>
+                                      <p:to>
+                                        <p:strVal val="visible"/>
+                                      </p:to>
+                                    </p:set>
+                                  </p:childTnLst>
+                                </p:cTn>
+                              </p:par>
+                              <p:par>
+                                <p:cTn id="11" presetID="1" presetClass="entr" presetSubtype="0" fill="hold" nodeType="withEffect">
+                                  <p:stCondLst>
+                                    <p:cond delay="0"/>
+                                  </p:stCondLst>
+                                  <p:childTnLst>
+                                    <p:set>
+                                      <p:cBhvr>
+                                        <p:cTn id="12" dur="1" fill="hold">
+                                          <p:stCondLst>
+                                            <p:cond delay="0"/>
+                                          </p:stCondLst>
+                                        </p:cTn>
+                                        <p:tgtEl>
+                                          <p:spTgt spid="11"/>
+                                        </p:tgtEl>
+                                        <p:attrNameLst>
+                                          <p:attrName>style.visibility</p:attrName>
+                                        </p:attrNameLst>
+                                      </p:cBhvr>
+                                      <p:to>
+                                        <p:strVal val="visible"/>
+                                      </p:to>
+                                    </p:set>
+                                  </p:childTnLst>
+                                </p:cTn>
+                              </p:par>
+                            </p:childTnLst>
+                          </p:cTn>
+                        </p:par>
+                      </p:childTnLst>
+                    </p:cTn>
+                  </p:par>
                 </p:childTnLst>
               </p:cTn>
               <p:prevCondLst>
@@ -4837,6 +5396,9 @@
         </p:cTn>
       </p:par>
     </p:tnLst>
+    <p:bldLst>
+      <p:bldP spid="12" grpId="0"/>
+    </p:bldLst>
   </p:timing>
 </p:sld>
 </file>
@@ -4930,8 +5492,38 @@
         </p:blipFill>
         <p:spPr>
           <a:xfrm>
-            <a:off x="0" y="288043"/>
+            <a:off x="0" y="576086"/>
             <a:ext cx="9144000" cy="4567414"/>
+          </a:xfrm>
+          <a:prstGeom prst="rect">
+            <a:avLst/>
+          </a:prstGeom>
+        </p:spPr>
+      </p:pic>
+      <p:pic>
+        <p:nvPicPr>
+          <p:cNvPr id="6" name="Picture 5">
+            <a:extLst>
+              <a:ext uri="{FF2B5EF4-FFF2-40B4-BE49-F238E27FC236}">
+                <a16:creationId xmlns:a16="http://schemas.microsoft.com/office/drawing/2014/main" id="{2FEA2ABA-9456-C645-9B86-D4A774BDD02D}"/>
+              </a:ext>
+            </a:extLst>
+          </p:cNvPr>
+          <p:cNvPicPr>
+            <a:picLocks noChangeAspect="1"/>
+          </p:cNvPicPr>
+          <p:nvPr/>
+        </p:nvPicPr>
+        <p:blipFill>
+          <a:blip r:embed="rId3"/>
+          <a:stretch>
+            <a:fillRect/>
+          </a:stretch>
+        </p:blipFill>
+        <p:spPr>
+          <a:xfrm>
+            <a:off x="2101999" y="1263450"/>
+            <a:ext cx="291984" cy="165587"/>
           </a:xfrm>
           <a:prstGeom prst="rect">
             <a:avLst/>
@@ -4948,6 +5540,81 @@
   <p:clrMapOvr>
     <a:masterClrMapping/>
   </p:clrMapOvr>
+  <p:timing>
+    <p:tnLst>
+      <p:par>
+        <p:cTn id="1" dur="indefinite" restart="never" nodeType="tmRoot">
+          <p:childTnLst>
+            <p:seq concurrent="1" nextAc="seek">
+              <p:cTn id="2" dur="indefinite" nodeType="mainSeq">
+                <p:childTnLst>
+                  <p:par>
+                    <p:cTn id="3" fill="hold">
+                      <p:stCondLst>
+                        <p:cond delay="indefinite"/>
+                      </p:stCondLst>
+                      <p:childTnLst>
+                        <p:par>
+                          <p:cTn id="4" fill="hold">
+                            <p:stCondLst>
+                              <p:cond delay="0"/>
+                            </p:stCondLst>
+                            <p:childTnLst>
+                              <p:par>
+                                <p:cTn id="5" presetID="1" presetClass="entr" presetSubtype="0" fill="hold" nodeType="clickEffect">
+                                  <p:stCondLst>
+                                    <p:cond delay="0"/>
+                                  </p:stCondLst>
+                                  <p:childTnLst>
+                                    <p:set>
+                                      <p:cBhvr>
+                                        <p:cTn id="6" dur="1" fill="hold">
+                                          <p:stCondLst>
+                                            <p:cond delay="0"/>
+                                          </p:stCondLst>
+                                        </p:cTn>
+                                        <p:tgtEl>
+                                          <p:spTgt spid="6"/>
+                                        </p:tgtEl>
+                                        <p:attrNameLst>
+                                          <p:attrName>style.visibility</p:attrName>
+                                        </p:attrNameLst>
+                                      </p:cBhvr>
+                                      <p:to>
+                                        <p:strVal val="visible"/>
+                                      </p:to>
+                                    </p:set>
+                                  </p:childTnLst>
+                                </p:cTn>
+                              </p:par>
+                            </p:childTnLst>
+                          </p:cTn>
+                        </p:par>
+                      </p:childTnLst>
+                    </p:cTn>
+                  </p:par>
+                </p:childTnLst>
+              </p:cTn>
+              <p:prevCondLst>
+                <p:cond evt="onPrev" delay="0">
+                  <p:tgtEl>
+                    <p:sldTgt/>
+                  </p:tgtEl>
+                </p:cond>
+              </p:prevCondLst>
+              <p:nextCondLst>
+                <p:cond evt="onNext" delay="0">
+                  <p:tgtEl>
+                    <p:sldTgt/>
+                  </p:tgtEl>
+                </p:cond>
+              </p:nextCondLst>
+            </p:seq>
+          </p:childTnLst>
+        </p:cTn>
+      </p:par>
+    </p:tnLst>
+  </p:timing>
 </p:sld>
 </file>
 
@@ -4990,8 +5657,38 @@
         </p:blipFill>
         <p:spPr>
           <a:xfrm>
-            <a:off x="0" y="288043"/>
+            <a:off x="0" y="576086"/>
             <a:ext cx="9144000" cy="4567414"/>
+          </a:xfrm>
+          <a:prstGeom prst="rect">
+            <a:avLst/>
+          </a:prstGeom>
+        </p:spPr>
+      </p:pic>
+      <p:pic>
+        <p:nvPicPr>
+          <p:cNvPr id="3" name="Picture 2">
+            <a:extLst>
+              <a:ext uri="{FF2B5EF4-FFF2-40B4-BE49-F238E27FC236}">
+                <a16:creationId xmlns:a16="http://schemas.microsoft.com/office/drawing/2014/main" id="{E4DC3266-6D77-B04D-A1CD-3EFAE2F4FE87}"/>
+              </a:ext>
+            </a:extLst>
+          </p:cNvPr>
+          <p:cNvPicPr>
+            <a:picLocks noChangeAspect="1"/>
+          </p:cNvPicPr>
+          <p:nvPr/>
+        </p:nvPicPr>
+        <p:blipFill>
+          <a:blip r:embed="rId3"/>
+          <a:stretch>
+            <a:fillRect/>
+          </a:stretch>
+        </p:blipFill>
+        <p:spPr>
+          <a:xfrm>
+            <a:off x="1945770" y="1396705"/>
+            <a:ext cx="241438" cy="128828"/>
           </a:xfrm>
           <a:prstGeom prst="rect">
             <a:avLst/>
@@ -5008,95 +5705,85 @@
   <p:clrMapOvr>
     <a:masterClrMapping/>
   </p:clrMapOvr>
+  <p:timing>
+    <p:tnLst>
+      <p:par>
+        <p:cTn id="1" dur="indefinite" restart="never" nodeType="tmRoot">
+          <p:childTnLst>
+            <p:seq concurrent="1" nextAc="seek">
+              <p:cTn id="2" dur="indefinite" nodeType="mainSeq">
+                <p:childTnLst>
+                  <p:par>
+                    <p:cTn id="3" fill="hold">
+                      <p:stCondLst>
+                        <p:cond delay="indefinite"/>
+                      </p:stCondLst>
+                      <p:childTnLst>
+                        <p:par>
+                          <p:cTn id="4" fill="hold">
+                            <p:stCondLst>
+                              <p:cond delay="0"/>
+                            </p:stCondLst>
+                            <p:childTnLst>
+                              <p:par>
+                                <p:cTn id="5" presetID="1" presetClass="entr" presetSubtype="0" fill="hold" nodeType="clickEffect">
+                                  <p:stCondLst>
+                                    <p:cond delay="0"/>
+                                  </p:stCondLst>
+                                  <p:childTnLst>
+                                    <p:set>
+                                      <p:cBhvr>
+                                        <p:cTn id="6" dur="1" fill="hold">
+                                          <p:stCondLst>
+                                            <p:cond delay="0"/>
+                                          </p:stCondLst>
+                                        </p:cTn>
+                                        <p:tgtEl>
+                                          <p:spTgt spid="3"/>
+                                        </p:tgtEl>
+                                        <p:attrNameLst>
+                                          <p:attrName>style.visibility</p:attrName>
+                                        </p:attrNameLst>
+                                      </p:cBhvr>
+                                      <p:to>
+                                        <p:strVal val="visible"/>
+                                      </p:to>
+                                    </p:set>
+                                  </p:childTnLst>
+                                </p:cTn>
+                              </p:par>
+                            </p:childTnLst>
+                          </p:cTn>
+                        </p:par>
+                      </p:childTnLst>
+                    </p:cTn>
+                  </p:par>
+                </p:childTnLst>
+              </p:cTn>
+              <p:prevCondLst>
+                <p:cond evt="onPrev" delay="0">
+                  <p:tgtEl>
+                    <p:sldTgt/>
+                  </p:tgtEl>
+                </p:cond>
+              </p:prevCondLst>
+              <p:nextCondLst>
+                <p:cond evt="onNext" delay="0">
+                  <p:tgtEl>
+                    <p:sldTgt/>
+                  </p:tgtEl>
+                </p:cond>
+              </p:nextCondLst>
+            </p:seq>
+          </p:childTnLst>
+        </p:cTn>
+      </p:par>
+    </p:tnLst>
+  </p:timing>
 </p:sld>
 </file>
 
 <file path=ppt/slides/slide8.xml><?xml version="1.0" encoding="utf-8"?>
-<p:sld xmlns:a="http://schemas.openxmlformats.org/drawingml/2006/main" xmlns:r="http://schemas.openxmlformats.org/officeDocument/2006/relationships" xmlns:p="http://schemas.openxmlformats.org/presentationml/2006/main">
-  <p:cSld>
-    <p:spTree>
-      <p:nvGrpSpPr>
-        <p:cNvPr id="1" name=""/>
-        <p:cNvGrpSpPr/>
-        <p:nvPr/>
-      </p:nvGrpSpPr>
-      <p:grpSpPr>
-        <a:xfrm>
-          <a:off x="0" y="0"/>
-          <a:ext cx="0" cy="0"/>
-          <a:chOff x="0" y="0"/>
-          <a:chExt cx="0" cy="0"/>
-        </a:xfrm>
-      </p:grpSpPr>
-      <p:sp>
-        <p:nvSpPr>
-          <p:cNvPr id="4" name="Title 3">
-            <a:extLst>
-              <a:ext uri="{FF2B5EF4-FFF2-40B4-BE49-F238E27FC236}">
-                <a16:creationId xmlns:a16="http://schemas.microsoft.com/office/drawing/2014/main" id="{3B6CD94F-87C8-5246-8B19-E8A500E94409}"/>
-              </a:ext>
-            </a:extLst>
-          </p:cNvPr>
-          <p:cNvSpPr>
-            <a:spLocks noGrp="1"/>
-          </p:cNvSpPr>
-          <p:nvPr>
-            <p:ph type="title"/>
-          </p:nvPr>
-        </p:nvSpPr>
-        <p:spPr/>
-        <p:txBody>
-          <a:bodyPr/>
-          <a:lstStyle/>
-          <a:p>
-            <a:endParaRPr lang="en-US"/>
-          </a:p>
-        </p:txBody>
-      </p:sp>
-      <p:pic>
-        <p:nvPicPr>
-          <p:cNvPr id="6" name="Picture 5">
-            <a:extLst>
-              <a:ext uri="{FF2B5EF4-FFF2-40B4-BE49-F238E27FC236}">
-                <a16:creationId xmlns:a16="http://schemas.microsoft.com/office/drawing/2014/main" id="{5122E01E-0B6A-854B-9779-BFE0D8BE391D}"/>
-              </a:ext>
-            </a:extLst>
-          </p:cNvPr>
-          <p:cNvPicPr>
-            <a:picLocks noChangeAspect="1"/>
-          </p:cNvPicPr>
-          <p:nvPr/>
-        </p:nvPicPr>
-        <p:blipFill>
-          <a:blip r:embed="rId2"/>
-          <a:stretch>
-            <a:fillRect/>
-          </a:stretch>
-        </p:blipFill>
-        <p:spPr>
-          <a:xfrm>
-            <a:off x="0" y="288043"/>
-            <a:ext cx="9144000" cy="4567414"/>
-          </a:xfrm>
-          <a:prstGeom prst="rect">
-            <a:avLst/>
-          </a:prstGeom>
-        </p:spPr>
-      </p:pic>
-    </p:spTree>
-    <p:extLst>
-      <p:ext uri="{BB962C8B-B14F-4D97-AF65-F5344CB8AC3E}">
-        <p14:creationId xmlns:p14="http://schemas.microsoft.com/office/powerpoint/2010/main" val="3791256341"/>
-      </p:ext>
-    </p:extLst>
-  </p:cSld>
-  <p:clrMapOvr>
-    <a:masterClrMapping/>
-  </p:clrMapOvr>
-</p:sld>
-</file>
-
-<file path=ppt/slides/slide9.xml><?xml version="1.0" encoding="utf-8"?>
 <p:sld xmlns:a="http://schemas.openxmlformats.org/drawingml/2006/main" xmlns:r="http://schemas.openxmlformats.org/officeDocument/2006/relationships" xmlns:p="http://schemas.openxmlformats.org/presentationml/2006/main">
   <p:cSld>
     <p:spTree>
@@ -5191,6 +5878,376 @@
   <p:clrMapOvr>
     <a:masterClrMapping/>
   </p:clrMapOvr>
+  <p:timing>
+    <p:tnLst>
+      <p:par>
+        <p:cTn id="1" dur="indefinite" restart="never" nodeType="tmRoot">
+          <p:childTnLst>
+            <p:seq concurrent="1" nextAc="seek">
+              <p:cTn id="2" dur="indefinite" nodeType="mainSeq">
+                <p:childTnLst>
+                  <p:par>
+                    <p:cTn id="3" fill="hold">
+                      <p:stCondLst>
+                        <p:cond delay="indefinite"/>
+                      </p:stCondLst>
+                      <p:childTnLst>
+                        <p:par>
+                          <p:cTn id="4" fill="hold">
+                            <p:stCondLst>
+                              <p:cond delay="0"/>
+                            </p:stCondLst>
+                            <p:childTnLst>
+                              <p:par>
+                                <p:cTn id="5" presetID="1" presetClass="entr" presetSubtype="0" fill="hold" nodeType="clickEffect">
+                                  <p:stCondLst>
+                                    <p:cond delay="0"/>
+                                  </p:stCondLst>
+                                  <p:childTnLst>
+                                    <p:set>
+                                      <p:cBhvr>
+                                        <p:cTn id="6" dur="1" fill="hold">
+                                          <p:stCondLst>
+                                            <p:cond delay="0"/>
+                                          </p:stCondLst>
+                                        </p:cTn>
+                                        <p:tgtEl>
+                                          <p:spTgt spid="3">
+                                            <p:txEl>
+                                              <p:pRg st="0" end="0"/>
+                                            </p:txEl>
+                                          </p:spTgt>
+                                        </p:tgtEl>
+                                        <p:attrNameLst>
+                                          <p:attrName>style.visibility</p:attrName>
+                                        </p:attrNameLst>
+                                      </p:cBhvr>
+                                      <p:to>
+                                        <p:strVal val="visible"/>
+                                      </p:to>
+                                    </p:set>
+                                  </p:childTnLst>
+                                </p:cTn>
+                              </p:par>
+                            </p:childTnLst>
+                          </p:cTn>
+                        </p:par>
+                      </p:childTnLst>
+                    </p:cTn>
+                  </p:par>
+                  <p:par>
+                    <p:cTn id="7" fill="hold">
+                      <p:stCondLst>
+                        <p:cond delay="indefinite"/>
+                      </p:stCondLst>
+                      <p:childTnLst>
+                        <p:par>
+                          <p:cTn id="8" fill="hold">
+                            <p:stCondLst>
+                              <p:cond delay="0"/>
+                            </p:stCondLst>
+                            <p:childTnLst>
+                              <p:par>
+                                <p:cTn id="9" presetID="1" presetClass="entr" presetSubtype="0" fill="hold" nodeType="clickEffect">
+                                  <p:stCondLst>
+                                    <p:cond delay="0"/>
+                                  </p:stCondLst>
+                                  <p:childTnLst>
+                                    <p:set>
+                                      <p:cBhvr>
+                                        <p:cTn id="10" dur="1" fill="hold">
+                                          <p:stCondLst>
+                                            <p:cond delay="0"/>
+                                          </p:stCondLst>
+                                        </p:cTn>
+                                        <p:tgtEl>
+                                          <p:spTgt spid="3">
+                                            <p:txEl>
+                                              <p:pRg st="1" end="1"/>
+                                            </p:txEl>
+                                          </p:spTgt>
+                                        </p:tgtEl>
+                                        <p:attrNameLst>
+                                          <p:attrName>style.visibility</p:attrName>
+                                        </p:attrNameLst>
+                                      </p:cBhvr>
+                                      <p:to>
+                                        <p:strVal val="visible"/>
+                                      </p:to>
+                                    </p:set>
+                                  </p:childTnLst>
+                                </p:cTn>
+                              </p:par>
+                            </p:childTnLst>
+                          </p:cTn>
+                        </p:par>
+                      </p:childTnLst>
+                    </p:cTn>
+                  </p:par>
+                  <p:par>
+                    <p:cTn id="11" fill="hold">
+                      <p:stCondLst>
+                        <p:cond delay="indefinite"/>
+                      </p:stCondLst>
+                      <p:childTnLst>
+                        <p:par>
+                          <p:cTn id="12" fill="hold">
+                            <p:stCondLst>
+                              <p:cond delay="0"/>
+                            </p:stCondLst>
+                            <p:childTnLst>
+                              <p:par>
+                                <p:cTn id="13" presetID="1" presetClass="entr" presetSubtype="0" fill="hold" nodeType="clickEffect">
+                                  <p:stCondLst>
+                                    <p:cond delay="0"/>
+                                  </p:stCondLst>
+                                  <p:childTnLst>
+                                    <p:set>
+                                      <p:cBhvr>
+                                        <p:cTn id="14" dur="1" fill="hold">
+                                          <p:stCondLst>
+                                            <p:cond delay="0"/>
+                                          </p:stCondLst>
+                                        </p:cTn>
+                                        <p:tgtEl>
+                                          <p:spTgt spid="3">
+                                            <p:txEl>
+                                              <p:pRg st="2" end="2"/>
+                                            </p:txEl>
+                                          </p:spTgt>
+                                        </p:tgtEl>
+                                        <p:attrNameLst>
+                                          <p:attrName>style.visibility</p:attrName>
+                                        </p:attrNameLst>
+                                      </p:cBhvr>
+                                      <p:to>
+                                        <p:strVal val="visible"/>
+                                      </p:to>
+                                    </p:set>
+                                  </p:childTnLst>
+                                </p:cTn>
+                              </p:par>
+                            </p:childTnLst>
+                          </p:cTn>
+                        </p:par>
+                      </p:childTnLst>
+                    </p:cTn>
+                  </p:par>
+                </p:childTnLst>
+              </p:cTn>
+              <p:prevCondLst>
+                <p:cond evt="onPrev" delay="0">
+                  <p:tgtEl>
+                    <p:sldTgt/>
+                  </p:tgtEl>
+                </p:cond>
+              </p:prevCondLst>
+              <p:nextCondLst>
+                <p:cond evt="onNext" delay="0">
+                  <p:tgtEl>
+                    <p:sldTgt/>
+                  </p:tgtEl>
+                </p:cond>
+              </p:nextCondLst>
+            </p:seq>
+          </p:childTnLst>
+        </p:cTn>
+      </p:par>
+    </p:tnLst>
+  </p:timing>
+</p:sld>
+</file>
+
+<file path=ppt/slides/slide9.xml><?xml version="1.0" encoding="utf-8"?>
+<p:sld xmlns:a="http://schemas.openxmlformats.org/drawingml/2006/main" xmlns:r="http://schemas.openxmlformats.org/officeDocument/2006/relationships" xmlns:p="http://schemas.openxmlformats.org/presentationml/2006/main">
+  <p:cSld>
+    <p:spTree>
+      <p:nvGrpSpPr>
+        <p:cNvPr id="1" name=""/>
+        <p:cNvGrpSpPr/>
+        <p:nvPr/>
+      </p:nvGrpSpPr>
+      <p:grpSpPr>
+        <a:xfrm>
+          <a:off x="0" y="0"/>
+          <a:ext cx="0" cy="0"/>
+          <a:chOff x="0" y="0"/>
+          <a:chExt cx="0" cy="0"/>
+        </a:xfrm>
+      </p:grpSpPr>
+      <p:pic>
+        <p:nvPicPr>
+          <p:cNvPr id="3" name="Picture 2">
+            <a:extLst>
+              <a:ext uri="{FF2B5EF4-FFF2-40B4-BE49-F238E27FC236}">
+                <a16:creationId xmlns:a16="http://schemas.microsoft.com/office/drawing/2014/main" id="{8641C02A-3C92-974E-936D-C32A92A2C0C2}"/>
+              </a:ext>
+            </a:extLst>
+          </p:cNvPr>
+          <p:cNvPicPr>
+            <a:picLocks noChangeAspect="1"/>
+          </p:cNvPicPr>
+          <p:nvPr/>
+        </p:nvPicPr>
+        <p:blipFill>
+          <a:blip r:embed="rId2"/>
+          <a:stretch>
+            <a:fillRect/>
+          </a:stretch>
+        </p:blipFill>
+        <p:spPr>
+          <a:xfrm>
+            <a:off x="0" y="576086"/>
+            <a:ext cx="9144000" cy="4567414"/>
+          </a:xfrm>
+          <a:prstGeom prst="rect">
+            <a:avLst/>
+          </a:prstGeom>
+        </p:spPr>
+      </p:pic>
+      <p:sp>
+        <p:nvSpPr>
+          <p:cNvPr id="2" name="Title 1">
+            <a:extLst>
+              <a:ext uri="{FF2B5EF4-FFF2-40B4-BE49-F238E27FC236}">
+                <a16:creationId xmlns:a16="http://schemas.microsoft.com/office/drawing/2014/main" id="{F35DD031-17A4-8D4B-8775-37F878F22D5F}"/>
+              </a:ext>
+            </a:extLst>
+          </p:cNvPr>
+          <p:cNvSpPr>
+            <a:spLocks noGrp="1"/>
+          </p:cNvSpPr>
+          <p:nvPr>
+            <p:ph type="title"/>
+          </p:nvPr>
+        </p:nvSpPr>
+        <p:spPr/>
+        <p:txBody>
+          <a:bodyPr/>
+          <a:lstStyle/>
+          <a:p>
+            <a:r>
+              <a:rPr lang="en-US" dirty="0"/>
+              <a:t> </a:t>
+            </a:r>
+          </a:p>
+        </p:txBody>
+      </p:sp>
+      <p:pic>
+        <p:nvPicPr>
+          <p:cNvPr id="5" name="Picture 4">
+            <a:extLst>
+              <a:ext uri="{FF2B5EF4-FFF2-40B4-BE49-F238E27FC236}">
+                <a16:creationId xmlns:a16="http://schemas.microsoft.com/office/drawing/2014/main" id="{50C1BDD9-1998-D64A-A378-58D5C74E24E2}"/>
+              </a:ext>
+            </a:extLst>
+          </p:cNvPr>
+          <p:cNvPicPr>
+            <a:picLocks noChangeAspect="1"/>
+          </p:cNvPicPr>
+          <p:nvPr/>
+        </p:nvPicPr>
+        <p:blipFill>
+          <a:blip r:embed="rId3"/>
+          <a:stretch>
+            <a:fillRect/>
+          </a:stretch>
+        </p:blipFill>
+        <p:spPr>
+          <a:xfrm>
+            <a:off x="2382293" y="1029106"/>
+            <a:ext cx="1923198" cy="165587"/>
+          </a:xfrm>
+          <a:prstGeom prst="rect">
+            <a:avLst/>
+          </a:prstGeom>
+        </p:spPr>
+      </p:pic>
+    </p:spTree>
+    <p:extLst>
+      <p:ext uri="{BB962C8B-B14F-4D97-AF65-F5344CB8AC3E}">
+        <p14:creationId xmlns:p14="http://schemas.microsoft.com/office/powerpoint/2010/main" val="2379555283"/>
+      </p:ext>
+    </p:extLst>
+  </p:cSld>
+  <p:clrMapOvr>
+    <a:masterClrMapping/>
+  </p:clrMapOvr>
+  <p:timing>
+    <p:tnLst>
+      <p:par>
+        <p:cTn id="1" dur="indefinite" restart="never" nodeType="tmRoot">
+          <p:childTnLst>
+            <p:seq concurrent="1" nextAc="seek">
+              <p:cTn id="2" dur="indefinite" nodeType="mainSeq">
+                <p:childTnLst>
+                  <p:par>
+                    <p:cTn id="3" fill="hold">
+                      <p:stCondLst>
+                        <p:cond delay="indefinite"/>
+                      </p:stCondLst>
+                      <p:childTnLst>
+                        <p:par>
+                          <p:cTn id="4" fill="hold">
+                            <p:stCondLst>
+                              <p:cond delay="0"/>
+                            </p:stCondLst>
+                            <p:childTnLst>
+                              <p:par>
+                                <p:cTn id="5" presetID="1" presetClass="entr" presetSubtype="0" fill="hold" nodeType="clickEffect">
+                                  <p:stCondLst>
+                                    <p:cond delay="0"/>
+                                  </p:stCondLst>
+                                  <p:childTnLst>
+                                    <p:set>
+                                      <p:cBhvr>
+                                        <p:cTn id="6" dur="1" fill="hold">
+                                          <p:stCondLst>
+                                            <p:cond delay="0"/>
+                                          </p:stCondLst>
+                                        </p:cTn>
+                                        <p:tgtEl>
+                                          <p:spTgt spid="5"/>
+                                        </p:tgtEl>
+                                        <p:attrNameLst>
+                                          <p:attrName>style.visibility</p:attrName>
+                                        </p:attrNameLst>
+                                      </p:cBhvr>
+                                      <p:to>
+                                        <p:strVal val="visible"/>
+                                      </p:to>
+                                    </p:set>
+                                  </p:childTnLst>
+                                </p:cTn>
+                              </p:par>
+                            </p:childTnLst>
+                          </p:cTn>
+                        </p:par>
+                      </p:childTnLst>
+                    </p:cTn>
+                  </p:par>
+                </p:childTnLst>
+              </p:cTn>
+              <p:prevCondLst>
+                <p:cond evt="onPrev" delay="0">
+                  <p:tgtEl>
+                    <p:sldTgt/>
+                  </p:tgtEl>
+                </p:cond>
+              </p:prevCondLst>
+              <p:nextCondLst>
+                <p:cond evt="onNext" delay="0">
+                  <p:tgtEl>
+                    <p:sldTgt/>
+                  </p:tgtEl>
+                </p:cond>
+              </p:nextCondLst>
+            </p:seq>
+          </p:childTnLst>
+        </p:cTn>
+      </p:par>
+    </p:tnLst>
+  </p:timing>
 </p:sld>
 </file>
 

--- a/03c Aggregation group.pptx
+++ b/03c Aggregation group.pptx
@@ -3902,7 +3902,7 @@
         </p:blipFill>
         <p:spPr>
           <a:xfrm>
-            <a:off x="0" y="288043"/>
+            <a:off x="0" y="576086"/>
             <a:ext cx="9144000" cy="4567414"/>
           </a:xfrm>
           <a:prstGeom prst="rect">
@@ -4197,14 +4197,10 @@
           </a:bodyPr>
           <a:lstStyle/>
           <a:p>
-            <a:pPr marL="0" lvl="0" indent="0" algn="l" rtl="0">
-              <a:spcBef>
-                <a:spcPts val="0"/>
-              </a:spcBef>
+            <a:pPr marL="285750" indent="-285750">
               <a:spcAft>
                 <a:spcPts val="1600"/>
               </a:spcAft>
-              <a:buNone/>
             </a:pPr>
             <a:r>
               <a:rPr lang="en-AU" dirty="0"/>
@@ -4212,14 +4208,10 @@
             </a:r>
           </a:p>
           <a:p>
-            <a:pPr marL="0" lvl="0" indent="0" algn="l" rtl="0">
-              <a:spcBef>
-                <a:spcPts val="0"/>
-              </a:spcBef>
+            <a:pPr marL="285750" indent="-285750">
               <a:spcAft>
                 <a:spcPts val="1600"/>
               </a:spcAft>
-              <a:buNone/>
             </a:pPr>
             <a:r>
               <a:rPr lang="en-AU" dirty="0"/>
@@ -4227,14 +4219,10 @@
             </a:r>
           </a:p>
           <a:p>
-            <a:pPr marL="0" lvl="0" indent="0" algn="l" rtl="0">
-              <a:spcBef>
-                <a:spcPts val="0"/>
-              </a:spcBef>
+            <a:pPr marL="285750" indent="-285750">
               <a:spcAft>
                 <a:spcPts val="1600"/>
               </a:spcAft>
-              <a:buNone/>
             </a:pPr>
             <a:r>
               <a:rPr lang="en-AU" dirty="0"/>
@@ -4489,7 +4477,12 @@
             <p:ph type="body" idx="1"/>
           </p:nvPr>
         </p:nvSpPr>
-        <p:spPr/>
+        <p:spPr>
+          <a:xfrm>
+            <a:off x="311700" y="1381500"/>
+            <a:ext cx="5289574" cy="3416400"/>
+          </a:xfrm>
+        </p:spPr>
         <p:txBody>
           <a:bodyPr/>
           <a:lstStyle/>
@@ -4532,7 +4525,7 @@
                   <a:srgbClr val="92D050"/>
                 </a:solidFill>
               </a:rPr>
-              <a:t>                 </a:t>
+              <a:t>                 newField1:{</a:t>
             </a:r>
             <a:r>
               <a:rPr lang="en-US" dirty="0" err="1">
@@ -4540,23 +4533,7 @@
                   <a:srgbClr val="92D050"/>
                 </a:solidFill>
               </a:rPr>
-              <a:t>newField</a:t>
-            </a:r>
-            <a:r>
-              <a:rPr lang="en-US" dirty="0">
-                <a:solidFill>
-                  <a:srgbClr val="92D050"/>
-                </a:solidFill>
-              </a:rPr>
-              <a:t>:{</a:t>
-            </a:r>
-            <a:r>
-              <a:rPr lang="en-US" dirty="0" err="1">
-                <a:solidFill>
-                  <a:srgbClr val="92D050"/>
-                </a:solidFill>
-              </a:rPr>
-              <a:t>acculatotor:expression</a:t>
+              <a:t>accumulator:expression</a:t>
             </a:r>
             <a:r>
               <a:rPr lang="en-US" dirty="0">
@@ -4577,6 +4554,35 @@
                   <a:srgbClr val="92D050"/>
                 </a:solidFill>
               </a:rPr>
+              <a:t>	   newField2:{</a:t>
+            </a:r>
+            <a:r>
+              <a:rPr lang="en-US" dirty="0" err="1">
+                <a:solidFill>
+                  <a:srgbClr val="92D050"/>
+                </a:solidFill>
+              </a:rPr>
+              <a:t>accumulator:expression</a:t>
+            </a:r>
+            <a:r>
+              <a:rPr lang="en-US" dirty="0">
+                <a:solidFill>
+                  <a:srgbClr val="92D050"/>
+                </a:solidFill>
+              </a:rPr>
+              <a:t>},</a:t>
+            </a:r>
+          </a:p>
+          <a:p>
+            <a:pPr marL="114300" indent="0">
+              <a:buNone/>
+            </a:pPr>
+            <a:r>
+              <a:rPr lang="en-US" dirty="0">
+                <a:solidFill>
+                  <a:srgbClr val="92D050"/>
+                </a:solidFill>
+              </a:rPr>
               <a:t>	   … </a:t>
             </a:r>
           </a:p>
@@ -4587,6 +4593,189 @@
             <a:r>
               <a:rPr lang="en-US" dirty="0"/>
               <a:t>}} </a:t>
+            </a:r>
+          </a:p>
+        </p:txBody>
+      </p:sp>
+      <p:grpSp>
+        <p:nvGrpSpPr>
+          <p:cNvPr id="7" name="Group 6">
+            <a:extLst>
+              <a:ext uri="{FF2B5EF4-FFF2-40B4-BE49-F238E27FC236}">
+                <a16:creationId xmlns:a16="http://schemas.microsoft.com/office/drawing/2014/main" id="{BDA748B9-55AA-3345-A0B5-1117C88A2E5F}"/>
+              </a:ext>
+            </a:extLst>
+          </p:cNvPr>
+          <p:cNvGrpSpPr/>
+          <p:nvPr/>
+        </p:nvGrpSpPr>
+        <p:grpSpPr>
+          <a:xfrm>
+            <a:off x="3216482" y="953500"/>
+            <a:ext cx="4508429" cy="640956"/>
+            <a:chOff x="3216482" y="953500"/>
+            <a:chExt cx="4508429" cy="640956"/>
+          </a:xfrm>
+        </p:grpSpPr>
+        <p:cxnSp>
+          <p:nvCxnSpPr>
+            <p:cNvPr id="5" name="Straight Arrow Connector 4">
+              <a:extLst>
+                <a:ext uri="{FF2B5EF4-FFF2-40B4-BE49-F238E27FC236}">
+                  <a16:creationId xmlns:a16="http://schemas.microsoft.com/office/drawing/2014/main" id="{9351CA7F-E853-9D41-A618-166259A8F864}"/>
+                </a:ext>
+              </a:extLst>
+            </p:cNvPr>
+            <p:cNvCxnSpPr/>
+            <p:nvPr/>
+          </p:nvCxnSpPr>
+          <p:spPr>
+            <a:xfrm flipH="1">
+              <a:off x="3216482" y="1107389"/>
+              <a:ext cx="1874750" cy="487067"/>
+            </a:xfrm>
+            <a:prstGeom prst="straightConnector1">
+              <a:avLst/>
+            </a:prstGeom>
+            <a:ln>
+              <a:solidFill>
+                <a:schemeClr val="tx1"/>
+              </a:solidFill>
+              <a:tailEnd type="triangle"/>
+            </a:ln>
+          </p:spPr>
+          <p:style>
+            <a:lnRef idx="1">
+              <a:schemeClr val="accent1"/>
+            </a:lnRef>
+            <a:fillRef idx="0">
+              <a:schemeClr val="accent1"/>
+            </a:fillRef>
+            <a:effectRef idx="0">
+              <a:schemeClr val="accent1"/>
+            </a:effectRef>
+            <a:fontRef idx="minor">
+              <a:schemeClr val="tx1"/>
+            </a:fontRef>
+          </p:style>
+        </p:cxnSp>
+        <p:sp>
+          <p:nvSpPr>
+            <p:cNvPr id="6" name="TextBox 5">
+              <a:extLst>
+                <a:ext uri="{FF2B5EF4-FFF2-40B4-BE49-F238E27FC236}">
+                  <a16:creationId xmlns:a16="http://schemas.microsoft.com/office/drawing/2014/main" id="{C02D9B51-A990-4D47-BCC3-FB4956294E8C}"/>
+                </a:ext>
+              </a:extLst>
+            </p:cNvPr>
+            <p:cNvSpPr txBox="1"/>
+            <p:nvPr/>
+          </p:nvSpPr>
+          <p:spPr>
+            <a:xfrm>
+              <a:off x="5000091" y="953500"/>
+              <a:ext cx="2724820" cy="307777"/>
+            </a:xfrm>
+            <a:prstGeom prst="rect">
+              <a:avLst/>
+            </a:prstGeom>
+            <a:noFill/>
+            <a:ln>
+              <a:noFill/>
+            </a:ln>
+          </p:spPr>
+          <p:txBody>
+            <a:bodyPr wrap="square" rtlCol="0">
+              <a:spAutoFit/>
+            </a:bodyPr>
+            <a:lstStyle/>
+            <a:p>
+              <a:r>
+                <a:rPr lang="en-US" dirty="0"/>
+                <a:t>The “GROUP BY”</a:t>
+              </a:r>
+            </a:p>
+          </p:txBody>
+        </p:sp>
+      </p:grpSp>
+      <p:cxnSp>
+        <p:nvCxnSpPr>
+          <p:cNvPr id="8" name="Straight Arrow Connector 7">
+            <a:extLst>
+              <a:ext uri="{FF2B5EF4-FFF2-40B4-BE49-F238E27FC236}">
+                <a16:creationId xmlns:a16="http://schemas.microsoft.com/office/drawing/2014/main" id="{D37FA9E1-6AC9-0C4D-9063-5D2F22832948}"/>
+              </a:ext>
+            </a:extLst>
+          </p:cNvPr>
+          <p:cNvCxnSpPr>
+            <a:cxnSpLocks/>
+          </p:cNvCxnSpPr>
+          <p:nvPr/>
+        </p:nvCxnSpPr>
+        <p:spPr>
+          <a:xfrm flipH="1" flipV="1">
+            <a:off x="3570295" y="2403172"/>
+            <a:ext cx="1461970" cy="814077"/>
+          </a:xfrm>
+          <a:prstGeom prst="straightConnector1">
+            <a:avLst/>
+          </a:prstGeom>
+          <a:ln>
+            <a:solidFill>
+              <a:schemeClr val="tx1"/>
+            </a:solidFill>
+            <a:tailEnd type="triangle"/>
+          </a:ln>
+        </p:spPr>
+        <p:style>
+          <a:lnRef idx="1">
+            <a:schemeClr val="accent1"/>
+          </a:lnRef>
+          <a:fillRef idx="0">
+            <a:schemeClr val="accent1"/>
+          </a:fillRef>
+          <a:effectRef idx="0">
+            <a:schemeClr val="accent1"/>
+          </a:effectRef>
+          <a:fontRef idx="minor">
+            <a:schemeClr val="tx1"/>
+          </a:fontRef>
+        </p:style>
+      </p:cxnSp>
+      <p:sp>
+        <p:nvSpPr>
+          <p:cNvPr id="9" name="TextBox 8">
+            <a:extLst>
+              <a:ext uri="{FF2B5EF4-FFF2-40B4-BE49-F238E27FC236}">
+                <a16:creationId xmlns:a16="http://schemas.microsoft.com/office/drawing/2014/main" id="{4FEEC5C1-8B82-A840-8B28-9152C18A4FF0}"/>
+              </a:ext>
+            </a:extLst>
+          </p:cNvPr>
+          <p:cNvSpPr txBox="1"/>
+          <p:nvPr/>
+        </p:nvSpPr>
+        <p:spPr>
+          <a:xfrm>
+            <a:off x="5000091" y="3063360"/>
+            <a:ext cx="2724820" cy="307777"/>
+          </a:xfrm>
+          <a:prstGeom prst="rect">
+            <a:avLst/>
+          </a:prstGeom>
+          <a:noFill/>
+          <a:ln>
+            <a:noFill/>
+          </a:ln>
+        </p:spPr>
+        <p:txBody>
+          <a:bodyPr wrap="square" rtlCol="0">
+            <a:spAutoFit/>
+          </a:bodyPr>
+          <a:lstStyle/>
+          <a:p>
+            <a:r>
+              <a:rPr lang="en-US" dirty="0"/>
+              <a:t>The aggregations</a:t>
             </a:r>
           </a:p>
         </p:txBody>
@@ -4601,6 +4790,180 @@
   <p:clrMapOvr>
     <a:masterClrMapping/>
   </p:clrMapOvr>
+  <p:timing>
+    <p:tnLst>
+      <p:par>
+        <p:cTn id="1" dur="indefinite" restart="never" nodeType="tmRoot">
+          <p:childTnLst>
+            <p:seq concurrent="1" nextAc="seek">
+              <p:cTn id="2" dur="indefinite" nodeType="mainSeq">
+                <p:childTnLst>
+                  <p:par>
+                    <p:cTn id="3" fill="hold">
+                      <p:stCondLst>
+                        <p:cond delay="indefinite"/>
+                      </p:stCondLst>
+                      <p:childTnLst>
+                        <p:par>
+                          <p:cTn id="4" fill="hold">
+                            <p:stCondLst>
+                              <p:cond delay="0"/>
+                            </p:stCondLst>
+                            <p:childTnLst>
+                              <p:par>
+                                <p:cTn id="5" presetID="10" presetClass="entr" presetSubtype="0" fill="hold" nodeType="clickEffect">
+                                  <p:stCondLst>
+                                    <p:cond delay="0"/>
+                                  </p:stCondLst>
+                                  <p:childTnLst>
+                                    <p:set>
+                                      <p:cBhvr>
+                                        <p:cTn id="6" dur="1" fill="hold">
+                                          <p:stCondLst>
+                                            <p:cond delay="0"/>
+                                          </p:stCondLst>
+                                        </p:cTn>
+                                        <p:tgtEl>
+                                          <p:spTgt spid="7"/>
+                                        </p:tgtEl>
+                                        <p:attrNameLst>
+                                          <p:attrName>style.visibility</p:attrName>
+                                        </p:attrNameLst>
+                                      </p:cBhvr>
+                                      <p:to>
+                                        <p:strVal val="visible"/>
+                                      </p:to>
+                                    </p:set>
+                                    <p:animEffect transition="in" filter="fade">
+                                      <p:cBhvr>
+                                        <p:cTn id="7" dur="500"/>
+                                        <p:tgtEl>
+                                          <p:spTgt spid="7"/>
+                                        </p:tgtEl>
+                                      </p:cBhvr>
+                                    </p:animEffect>
+                                  </p:childTnLst>
+                                </p:cTn>
+                              </p:par>
+                            </p:childTnLst>
+                          </p:cTn>
+                        </p:par>
+                      </p:childTnLst>
+                    </p:cTn>
+                  </p:par>
+                  <p:par>
+                    <p:cTn id="8" fill="hold">
+                      <p:stCondLst>
+                        <p:cond delay="indefinite"/>
+                      </p:stCondLst>
+                      <p:childTnLst>
+                        <p:par>
+                          <p:cTn id="9" fill="hold">
+                            <p:stCondLst>
+                              <p:cond delay="0"/>
+                            </p:stCondLst>
+                            <p:childTnLst>
+                              <p:par>
+                                <p:cTn id="10" presetID="10" presetClass="entr" presetSubtype="0" fill="hold" grpId="0" nodeType="clickEffect">
+                                  <p:stCondLst>
+                                    <p:cond delay="0"/>
+                                  </p:stCondLst>
+                                  <p:childTnLst>
+                                    <p:set>
+                                      <p:cBhvr>
+                                        <p:cTn id="11" dur="1" fill="hold">
+                                          <p:stCondLst>
+                                            <p:cond delay="0"/>
+                                          </p:stCondLst>
+                                        </p:cTn>
+                                        <p:tgtEl>
+                                          <p:spTgt spid="9"/>
+                                        </p:tgtEl>
+                                        <p:attrNameLst>
+                                          <p:attrName>style.visibility</p:attrName>
+                                        </p:attrNameLst>
+                                      </p:cBhvr>
+                                      <p:to>
+                                        <p:strVal val="visible"/>
+                                      </p:to>
+                                    </p:set>
+                                    <p:animEffect transition="in" filter="fade">
+                                      <p:cBhvr>
+                                        <p:cTn id="12" dur="500"/>
+                                        <p:tgtEl>
+                                          <p:spTgt spid="9"/>
+                                        </p:tgtEl>
+                                      </p:cBhvr>
+                                    </p:animEffect>
+                                  </p:childTnLst>
+                                </p:cTn>
+                              </p:par>
+                              <p:par>
+                                <p:cTn id="13" presetID="10" presetClass="entr" presetSubtype="0" fill="hold" nodeType="withEffect">
+                                  <p:stCondLst>
+                                    <p:cond delay="0"/>
+                                  </p:stCondLst>
+                                  <p:childTnLst>
+                                    <p:set>
+                                      <p:cBhvr>
+                                        <p:cTn id="14" dur="1" fill="hold">
+                                          <p:stCondLst>
+                                            <p:cond delay="0"/>
+                                          </p:stCondLst>
+                                        </p:cTn>
+                                        <p:tgtEl>
+                                          <p:spTgt spid="8"/>
+                                        </p:tgtEl>
+                                        <p:attrNameLst>
+                                          <p:attrName>style.visibility</p:attrName>
+                                        </p:attrNameLst>
+                                      </p:cBhvr>
+                                      <p:to>
+                                        <p:strVal val="visible"/>
+                                      </p:to>
+                                    </p:set>
+                                    <p:animEffect transition="in" filter="fade">
+                                      <p:cBhvr>
+                                        <p:cTn id="15" dur="500"/>
+                                        <p:tgtEl>
+                                          <p:spTgt spid="8"/>
+                                        </p:tgtEl>
+                                      </p:cBhvr>
+                                    </p:animEffect>
+                                  </p:childTnLst>
+                                </p:cTn>
+                              </p:par>
+                            </p:childTnLst>
+                          </p:cTn>
+                        </p:par>
+                      </p:childTnLst>
+                    </p:cTn>
+                  </p:par>
+                </p:childTnLst>
+              </p:cTn>
+              <p:prevCondLst>
+                <p:cond evt="onPrev" delay="0">
+                  <p:tgtEl>
+                    <p:sldTgt/>
+                  </p:tgtEl>
+                </p:cond>
+              </p:prevCondLst>
+              <p:nextCondLst>
+                <p:cond evt="onNext" delay="0">
+                  <p:tgtEl>
+                    <p:sldTgt/>
+                  </p:tgtEl>
+                </p:cond>
+              </p:nextCondLst>
+            </p:seq>
+          </p:childTnLst>
+        </p:cTn>
+      </p:par>
+    </p:tnLst>
+    <p:bldLst>
+      <p:bldP spid="9" grpId="0"/>
+    </p:bldLst>
+  </p:timing>
 </p:sld>
 </file>
 
@@ -4664,7 +5027,7 @@
           <p:nvPr>
             <p:extLst>
               <p:ext uri="{D42A27DB-BD31-4B8C-83A1-F6EECF244321}">
-                <p14:modId xmlns:p14="http://schemas.microsoft.com/office/powerpoint/2010/main" val="1413631148"/>
+                <p14:modId xmlns:p14="http://schemas.microsoft.com/office/powerpoint/2010/main" val="428496086"/>
               </p:ext>
             </p:extLst>
           </p:nvPr>
@@ -4741,20 +5104,10 @@
                             <a:srgbClr val="007CAD"/>
                           </a:solidFill>
                           <a:effectLst/>
-                          <a:hlinkClick r:id="rId2"/>
                         </a:rPr>
-                        <a:t>$</a:t>
+                        <a:t>$avg</a:t>
                       </a:r>
-                      <a:r>
-                        <a:rPr lang="en-AU" u="none" strike="noStrike" dirty="0">
-                          <a:solidFill>
-                            <a:srgbClr val="007CAD"/>
-                          </a:solidFill>
-                          <a:effectLst/>
-                        </a:rPr>
-                        <a:t>avg</a:t>
-                      </a:r>
-                      <a:endParaRPr lang="en-AU" dirty="0">
+                      <a:endParaRPr lang="en-AU" u="none" dirty="0">
                         <a:effectLst/>
                       </a:endParaRPr>
                     </a:p>
@@ -4796,20 +5149,10 @@
                             <a:srgbClr val="007CAD"/>
                           </a:solidFill>
                           <a:effectLst/>
-                          <a:hlinkClick r:id="rId3"/>
                         </a:rPr>
-                        <a:t>$</a:t>
+                        <a:t>$count</a:t>
                       </a:r>
-                      <a:r>
-                        <a:rPr lang="en-AU" u="none" strike="noStrike" dirty="0">
-                          <a:solidFill>
-                            <a:srgbClr val="007CAD"/>
-                          </a:solidFill>
-                          <a:effectLst/>
-                        </a:rPr>
-                        <a:t>count</a:t>
-                      </a:r>
-                      <a:endParaRPr lang="en-AU" dirty="0">
+                      <a:endParaRPr lang="en-AU" u="none" dirty="0">
                         <a:effectLst/>
                       </a:endParaRPr>
                     </a:p>
@@ -4854,7 +5197,7 @@
                         </a:rPr>
                         <a:t>$max</a:t>
                       </a:r>
-                      <a:endParaRPr lang="en-AU" dirty="0">
+                      <a:endParaRPr lang="en-AU" u="none" dirty="0">
                         <a:effectLst/>
                       </a:endParaRPr>
                     </a:p>
@@ -4896,20 +5239,10 @@
                             <a:srgbClr val="007CAD"/>
                           </a:solidFill>
                           <a:effectLst/>
-                          <a:hlinkClick r:id="rId4"/>
                         </a:rPr>
-                        <a:t>$</a:t>
+                        <a:t>$min</a:t>
                       </a:r>
-                      <a:r>
-                        <a:rPr lang="en-AU" u="none" strike="noStrike" dirty="0">
-                          <a:solidFill>
-                            <a:srgbClr val="007CAD"/>
-                          </a:solidFill>
-                          <a:effectLst/>
-                        </a:rPr>
-                        <a:t>min</a:t>
-                      </a:r>
-                      <a:endParaRPr lang="en-AU" dirty="0">
+                      <a:endParaRPr lang="en-AU" u="none" dirty="0">
                         <a:effectLst/>
                       </a:endParaRPr>
                     </a:p>
@@ -4951,20 +5284,10 @@
                             <a:srgbClr val="007CAD"/>
                           </a:solidFill>
                           <a:effectLst/>
-                          <a:hlinkClick r:id="rId5"/>
                         </a:rPr>
-                        <a:t>$</a:t>
+                        <a:t>$sum</a:t>
                       </a:r>
-                      <a:r>
-                        <a:rPr lang="en-AU" u="none" strike="noStrike" dirty="0">
-                          <a:solidFill>
-                            <a:srgbClr val="007CAD"/>
-                          </a:solidFill>
-                          <a:effectLst/>
-                        </a:rPr>
-                        <a:t>sum</a:t>
-                      </a:r>
-                      <a:endParaRPr lang="en-AU" dirty="0">
+                      <a:endParaRPr lang="en-AU" u="none" dirty="0">
                         <a:effectLst/>
                       </a:endParaRPr>
                     </a:p>
